--- a/FinalPresentation_G1_v1.pptx
+++ b/FinalPresentation_G1_v1.pptx
@@ -3192,13 +3192,55 @@
               <a:rPr b="0" lang="es-ES" sz="4400" spc="-1" strike="noStrike">
                 <a:latin typeface="Arial"/>
               </a:rPr>
-              <a:t>Pulse para editar el formato del </a:t>
+              <a:t>Pulse </a:t>
             </a:r>
             <a:r>
               <a:rPr b="0" lang="es-ES" sz="4400" spc="-1" strike="noStrike">
                 <a:latin typeface="Arial"/>
               </a:rPr>
-              <a:t>texto de título</a:t>
+              <a:t>para </a:t>
+            </a:r>
+            <a:r>
+              <a:rPr b="0" lang="es-ES" sz="4400" spc="-1" strike="noStrike">
+                <a:latin typeface="Arial"/>
+              </a:rPr>
+              <a:t>editar </a:t>
+            </a:r>
+            <a:r>
+              <a:rPr b="0" lang="es-ES" sz="4400" spc="-1" strike="noStrike">
+                <a:latin typeface="Arial"/>
+              </a:rPr>
+              <a:t>el </a:t>
+            </a:r>
+            <a:r>
+              <a:rPr b="0" lang="es-ES" sz="4400" spc="-1" strike="noStrike">
+                <a:latin typeface="Arial"/>
+              </a:rPr>
+              <a:t>format</a:t>
+            </a:r>
+            <a:r>
+              <a:rPr b="0" lang="es-ES" sz="4400" spc="-1" strike="noStrike">
+                <a:latin typeface="Arial"/>
+              </a:rPr>
+              <a:t>o del </a:t>
+            </a:r>
+            <a:r>
+              <a:rPr b="0" lang="es-ES" sz="4400" spc="-1" strike="noStrike">
+                <a:latin typeface="Arial"/>
+              </a:rPr>
+              <a:t>texto </a:t>
+            </a:r>
+            <a:r>
+              <a:rPr b="0" lang="es-ES" sz="4400" spc="-1" strike="noStrike">
+                <a:latin typeface="Arial"/>
+              </a:rPr>
+              <a:t>de </a:t>
+            </a:r>
+            <a:r>
+              <a:rPr b="0" lang="es-ES" sz="4400" spc="-1" strike="noStrike">
+                <a:latin typeface="Arial"/>
+              </a:rPr>
+              <a:t>título</a:t>
             </a:r>
             <a:endParaRPr b="0" lang="es-ES" sz="4400" spc="-1" strike="noStrike">
               <a:latin typeface="Arial"/>
@@ -3617,7 +3659,7 @@
                 <a:spcPct val="100000"/>
               </a:lnSpc>
             </a:pPr>
-            <a:fld id="{E7E3BAB0-E310-41EB-84D0-D62872622C98}" type="slidenum">
+            <a:fld id="{C2460E02-A997-4A18-8EA7-6B619B2E53B6}" type="slidenum">
               <a:rPr b="0" lang="es-ES_tradnl" sz="1200" spc="-1" strike="noStrike">
                 <a:solidFill>
                   <a:srgbClr val="898989"/>
@@ -3716,7 +3758,7 @@
       </p:grpSpPr>
       <p:sp>
         <p:nvSpPr>
-          <p:cNvPr id="127" name="CustomShape 1"/>
+          <p:cNvPr id="125" name="CustomShape 1"/>
           <p:cNvSpPr/>
           <p:nvPr/>
         </p:nvSpPr>
@@ -3783,7 +3825,7 @@
       </p:sp>
       <p:sp>
         <p:nvSpPr>
-          <p:cNvPr id="128" name="CustomShape 2"/>
+          <p:cNvPr id="126" name="CustomShape 2"/>
           <p:cNvSpPr/>
           <p:nvPr/>
         </p:nvSpPr>
@@ -3840,7 +3882,7 @@
       </p:sp>
       <p:sp>
         <p:nvSpPr>
-          <p:cNvPr id="129" name="CustomShape 3"/>
+          <p:cNvPr id="127" name="CustomShape 3"/>
           <p:cNvSpPr/>
           <p:nvPr/>
         </p:nvSpPr>
@@ -3866,7 +3908,7 @@
       </p:sp>
       <p:pic>
         <p:nvPicPr>
-          <p:cNvPr id="130" name="" descr=""/>
+          <p:cNvPr id="128" name="" descr=""/>
           <p:cNvPicPr/>
           <p:nvPr/>
         </p:nvPicPr>
@@ -3889,7 +3931,7 @@
       </p:pic>
       <p:grpSp>
         <p:nvGrpSpPr>
-          <p:cNvPr id="131" name="Group 4"/>
+          <p:cNvPr id="129" name="Group 4"/>
           <p:cNvGrpSpPr/>
           <p:nvPr/>
         </p:nvGrpSpPr>
@@ -3903,7 +3945,7 @@
         </p:grpSpPr>
         <p:pic>
           <p:nvPicPr>
-            <p:cNvPr id="132" name="" descr=""/>
+            <p:cNvPr id="130" name="" descr=""/>
             <p:cNvPicPr/>
             <p:nvPr/>
           </p:nvPicPr>
@@ -3926,7 +3968,7 @@
         </p:pic>
         <p:sp>
           <p:nvSpPr>
-            <p:cNvPr id="133" name="Line 5"/>
+            <p:cNvPr id="131" name="Line 5"/>
             <p:cNvSpPr/>
             <p:nvPr/>
           </p:nvSpPr>
@@ -3955,7 +3997,7 @@
         </p:sp>
         <p:sp>
           <p:nvSpPr>
-            <p:cNvPr id="134" name="CustomShape 6"/>
+            <p:cNvPr id="132" name="CustomShape 6"/>
             <p:cNvSpPr/>
             <p:nvPr/>
           </p:nvSpPr>
@@ -4036,7 +4078,7 @@
       </p:grpSpPr>
       <p:sp>
         <p:nvSpPr>
-          <p:cNvPr id="135" name="CustomShape 1"/>
+          <p:cNvPr id="133" name="CustomShape 1"/>
           <p:cNvSpPr/>
           <p:nvPr/>
         </p:nvSpPr>
@@ -4103,7 +4145,7 @@
       </p:sp>
       <p:sp>
         <p:nvSpPr>
-          <p:cNvPr id="136" name="CustomShape 2"/>
+          <p:cNvPr id="134" name="CustomShape 2"/>
           <p:cNvSpPr/>
           <p:nvPr/>
         </p:nvSpPr>
@@ -4160,7 +4202,7 @@
       </p:sp>
       <p:sp>
         <p:nvSpPr>
-          <p:cNvPr id="137" name="CustomShape 3"/>
+          <p:cNvPr id="135" name="CustomShape 3"/>
           <p:cNvSpPr/>
           <p:nvPr/>
         </p:nvSpPr>
@@ -4211,7 +4253,7 @@
       </p:sp>
       <p:pic>
         <p:nvPicPr>
-          <p:cNvPr id="138" name="" descr=""/>
+          <p:cNvPr id="136" name="" descr=""/>
           <p:cNvPicPr/>
           <p:nvPr/>
         </p:nvPicPr>
@@ -4234,7 +4276,7 @@
       </p:pic>
       <p:grpSp>
         <p:nvGrpSpPr>
-          <p:cNvPr id="139" name="Group 4"/>
+          <p:cNvPr id="137" name="Group 4"/>
           <p:cNvGrpSpPr/>
           <p:nvPr/>
         </p:nvGrpSpPr>
@@ -4248,7 +4290,7 @@
         </p:grpSpPr>
         <p:pic>
           <p:nvPicPr>
-            <p:cNvPr id="140" name="" descr=""/>
+            <p:cNvPr id="138" name="" descr=""/>
             <p:cNvPicPr/>
             <p:nvPr/>
           </p:nvPicPr>
@@ -4271,7 +4313,7 @@
         </p:pic>
         <p:sp>
           <p:nvSpPr>
-            <p:cNvPr id="141" name="CustomShape 5"/>
+            <p:cNvPr id="139" name="CustomShape 5"/>
             <p:cNvSpPr/>
             <p:nvPr/>
           </p:nvSpPr>
@@ -4301,7 +4343,7 @@
         </p:sp>
         <p:pic>
           <p:nvPicPr>
-            <p:cNvPr id="142" name="" descr=""/>
+            <p:cNvPr id="140" name="" descr=""/>
             <p:cNvPicPr/>
             <p:nvPr/>
           </p:nvPicPr>
@@ -4355,7 +4397,7 @@
       </p:grpSpPr>
       <p:sp>
         <p:nvSpPr>
-          <p:cNvPr id="143" name="CustomShape 1"/>
+          <p:cNvPr id="141" name="CustomShape 1"/>
           <p:cNvSpPr/>
           <p:nvPr/>
         </p:nvSpPr>
@@ -4422,7 +4464,7 @@
       </p:sp>
       <p:sp>
         <p:nvSpPr>
-          <p:cNvPr id="144" name="CustomShape 2"/>
+          <p:cNvPr id="142" name="CustomShape 2"/>
           <p:cNvSpPr/>
           <p:nvPr/>
         </p:nvSpPr>
@@ -4479,7 +4521,7 @@
       </p:sp>
       <p:sp>
         <p:nvSpPr>
-          <p:cNvPr id="145" name="CustomShape 3"/>
+          <p:cNvPr id="143" name="CustomShape 3"/>
           <p:cNvSpPr/>
           <p:nvPr/>
         </p:nvSpPr>
@@ -4530,7 +4572,7 @@
       </p:sp>
       <p:pic>
         <p:nvPicPr>
-          <p:cNvPr id="146" name="" descr=""/>
+          <p:cNvPr id="144" name="" descr=""/>
           <p:cNvPicPr/>
           <p:nvPr/>
         </p:nvPicPr>
@@ -4553,7 +4595,7 @@
       </p:pic>
       <p:pic>
         <p:nvPicPr>
-          <p:cNvPr id="147" name="" descr=""/>
+          <p:cNvPr id="145" name="" descr=""/>
           <p:cNvPicPr/>
           <p:nvPr/>
         </p:nvPicPr>
@@ -4606,7 +4648,7 @@
       </p:grpSpPr>
       <p:sp>
         <p:nvSpPr>
-          <p:cNvPr id="148" name="CustomShape 1"/>
+          <p:cNvPr id="146" name="CustomShape 1"/>
           <p:cNvSpPr/>
           <p:nvPr/>
         </p:nvSpPr>
@@ -4673,7 +4715,7 @@
       </p:sp>
       <p:sp>
         <p:nvSpPr>
-          <p:cNvPr id="149" name="CustomShape 2"/>
+          <p:cNvPr id="147" name="CustomShape 2"/>
           <p:cNvSpPr/>
           <p:nvPr/>
         </p:nvSpPr>
@@ -4730,7 +4772,7 @@
       </p:sp>
       <p:sp>
         <p:nvSpPr>
-          <p:cNvPr id="150" name="CustomShape 3"/>
+          <p:cNvPr id="148" name="CustomShape 3"/>
           <p:cNvSpPr/>
           <p:nvPr/>
         </p:nvSpPr>
@@ -4781,7 +4823,7 @@
       </p:sp>
       <p:sp>
         <p:nvSpPr>
-          <p:cNvPr id="151" name="CustomShape 4"/>
+          <p:cNvPr id="149" name="CustomShape 4"/>
           <p:cNvSpPr/>
           <p:nvPr/>
         </p:nvSpPr>
@@ -4842,21 +4884,21 @@
       </p:sp>
       <p:grpSp>
         <p:nvGrpSpPr>
-          <p:cNvPr id="152" name="Group 5"/>
+          <p:cNvPr id="150" name="Group 5"/>
           <p:cNvGrpSpPr/>
           <p:nvPr/>
         </p:nvGrpSpPr>
         <p:grpSpPr>
           <a:xfrm>
-            <a:off x="4248000" y="1728000"/>
-            <a:ext cx="4496760" cy="4031640"/>
-            <a:chOff x="4248000" y="1728000"/>
-            <a:chExt cx="4496760" cy="4031640"/>
+            <a:off x="5040000" y="2196000"/>
+            <a:ext cx="3704760" cy="3383640"/>
+            <a:chOff x="5040000" y="2196000"/>
+            <a:chExt cx="3704760" cy="3383640"/>
           </a:xfrm>
         </p:grpSpPr>
         <p:pic>
           <p:nvPicPr>
-            <p:cNvPr id="153" name="" descr=""/>
+            <p:cNvPr id="151" name="" descr=""/>
             <p:cNvPicPr/>
             <p:nvPr/>
           </p:nvPicPr>
@@ -4866,8 +4908,8 @@
           </p:blipFill>
           <p:spPr>
             <a:xfrm>
-              <a:off x="4248000" y="1728000"/>
-              <a:ext cx="4353480" cy="4031640"/>
+              <a:off x="5040000" y="2196000"/>
+              <a:ext cx="3586680" cy="3383640"/>
             </a:xfrm>
             <a:prstGeom prst="rect">
               <a:avLst/>
@@ -4879,14 +4921,14 @@
         </p:pic>
         <p:sp>
           <p:nvSpPr>
-            <p:cNvPr id="154" name="CustomShape 6"/>
+            <p:cNvPr id="152" name="CustomShape 6"/>
             <p:cNvSpPr/>
             <p:nvPr/>
           </p:nvSpPr>
           <p:spPr>
             <a:xfrm>
-              <a:off x="7966080" y="4124520"/>
-              <a:ext cx="635400" cy="306000"/>
+              <a:off x="8103240" y="4207320"/>
+              <a:ext cx="523440" cy="256680"/>
             </a:xfrm>
             <a:prstGeom prst="rect">
               <a:avLst/>
@@ -4909,7 +4951,7 @@
         </p:sp>
         <p:pic>
           <p:nvPicPr>
-            <p:cNvPr id="155" name="" descr=""/>
+            <p:cNvPr id="153" name="" descr=""/>
             <p:cNvPicPr/>
             <p:nvPr/>
           </p:nvPicPr>
@@ -4919,8 +4961,8 @@
           </p:blipFill>
           <p:spPr>
             <a:xfrm>
-              <a:off x="7868160" y="4563000"/>
-              <a:ext cx="876600" cy="276480"/>
+              <a:off x="8022600" y="4575240"/>
+              <a:ext cx="722160" cy="232200"/>
             </a:xfrm>
             <a:prstGeom prst="rect">
               <a:avLst/>
@@ -4963,7 +5005,7 @@
       </p:grpSpPr>
       <p:sp>
         <p:nvSpPr>
-          <p:cNvPr id="156" name="CustomShape 1"/>
+          <p:cNvPr id="154" name="CustomShape 1"/>
           <p:cNvSpPr/>
           <p:nvPr/>
         </p:nvSpPr>
@@ -5030,7 +5072,7 @@
       </p:sp>
       <p:sp>
         <p:nvSpPr>
-          <p:cNvPr id="157" name="CustomShape 2"/>
+          <p:cNvPr id="155" name="CustomShape 2"/>
           <p:cNvSpPr/>
           <p:nvPr/>
         </p:nvSpPr>
@@ -5087,7 +5129,7 @@
       </p:sp>
       <p:sp>
         <p:nvSpPr>
-          <p:cNvPr id="158" name="CustomShape 3"/>
+          <p:cNvPr id="156" name="CustomShape 3"/>
           <p:cNvSpPr/>
           <p:nvPr/>
         </p:nvSpPr>
@@ -5138,7 +5180,7 @@
       </p:sp>
       <p:sp>
         <p:nvSpPr>
-          <p:cNvPr id="159" name="CustomShape 4"/>
+          <p:cNvPr id="157" name="CustomShape 4"/>
           <p:cNvSpPr/>
           <p:nvPr/>
         </p:nvSpPr>
@@ -5189,7 +5231,7 @@
       </p:sp>
       <p:pic>
         <p:nvPicPr>
-          <p:cNvPr id="160" name="" descr=""/>
+          <p:cNvPr id="158" name="" descr=""/>
           <p:cNvPicPr/>
           <p:nvPr/>
         </p:nvPicPr>
@@ -5242,7 +5284,7 @@
       </p:grpSpPr>
       <p:sp>
         <p:nvSpPr>
-          <p:cNvPr id="161" name="CustomShape 1"/>
+          <p:cNvPr id="159" name="CustomShape 1"/>
           <p:cNvSpPr/>
           <p:nvPr/>
         </p:nvSpPr>
@@ -5309,7 +5351,7 @@
       </p:sp>
       <p:sp>
         <p:nvSpPr>
-          <p:cNvPr id="162" name="CustomShape 2"/>
+          <p:cNvPr id="160" name="CustomShape 2"/>
           <p:cNvSpPr/>
           <p:nvPr/>
         </p:nvSpPr>
@@ -5366,7 +5408,7 @@
       </p:sp>
       <p:sp>
         <p:nvSpPr>
-          <p:cNvPr id="163" name="CustomShape 3"/>
+          <p:cNvPr id="161" name="CustomShape 3"/>
           <p:cNvSpPr/>
           <p:nvPr/>
         </p:nvSpPr>
@@ -5447,7 +5489,7 @@
       </p:sp>
       <p:sp>
         <p:nvSpPr>
-          <p:cNvPr id="164" name="CustomShape 4"/>
+          <p:cNvPr id="162" name="CustomShape 4"/>
           <p:cNvSpPr/>
           <p:nvPr/>
         </p:nvSpPr>
@@ -5498,7 +5540,7 @@
       </p:sp>
       <p:sp>
         <p:nvSpPr>
-          <p:cNvPr id="165" name="CustomShape 5"/>
+          <p:cNvPr id="163" name="CustomShape 5"/>
           <p:cNvSpPr/>
           <p:nvPr/>
         </p:nvSpPr>
@@ -5711,7 +5753,7 @@
       </p:grpSpPr>
       <p:sp>
         <p:nvSpPr>
-          <p:cNvPr id="166" name="CustomShape 1"/>
+          <p:cNvPr id="164" name="CustomShape 1"/>
           <p:cNvSpPr/>
           <p:nvPr/>
         </p:nvSpPr>
@@ -5762,7 +5804,7 @@
       </p:sp>
       <p:sp>
         <p:nvSpPr>
-          <p:cNvPr id="167" name="CustomShape 2"/>
+          <p:cNvPr id="165" name="CustomShape 2"/>
           <p:cNvSpPr/>
           <p:nvPr/>
         </p:nvSpPr>
@@ -5795,7 +5837,7 @@
                 <a:spcPct val="100000"/>
               </a:lnSpc>
             </a:pPr>
-            <a:fld id="{2E69B1CC-18B9-4692-A516-32482FF470C0}" type="slidenum">
+            <a:fld id="{0C55CC4B-2729-42DA-B58E-A205D0E5042C}" type="slidenum">
               <a:rPr b="0" lang="es-ES_tradnl" sz="800" spc="-1" strike="noStrike">
                 <a:solidFill>
                   <a:srgbClr val="000000"/>
@@ -5813,7 +5855,7 @@
       </p:sp>
       <p:sp>
         <p:nvSpPr>
-          <p:cNvPr id="168" name="CustomShape 3"/>
+          <p:cNvPr id="166" name="CustomShape 3"/>
           <p:cNvSpPr/>
           <p:nvPr/>
         </p:nvSpPr>
@@ -5867,7 +5909,7 @@
       </p:sp>
       <p:sp>
         <p:nvSpPr>
-          <p:cNvPr id="169" name="CustomShape 4"/>
+          <p:cNvPr id="167" name="CustomShape 4"/>
           <p:cNvSpPr/>
           <p:nvPr/>
         </p:nvSpPr>
@@ -5924,7 +5966,7 @@
       </p:sp>
       <p:sp>
         <p:nvSpPr>
-          <p:cNvPr id="170" name="CustomShape 5"/>
+          <p:cNvPr id="168" name="CustomShape 5"/>
           <p:cNvSpPr/>
           <p:nvPr/>
         </p:nvSpPr>
@@ -5987,7 +6029,7 @@
       </p:sp>
       <p:graphicFrame>
         <p:nvGraphicFramePr>
-          <p:cNvPr id="171" name="Table 6"/>
+          <p:cNvPr id="169" name="Table 6"/>
           <p:cNvGraphicFramePr/>
           <p:nvPr/>
         </p:nvGraphicFramePr>
@@ -7391,7 +7433,7 @@
       </p:grpSpPr>
       <p:sp>
         <p:nvSpPr>
-          <p:cNvPr id="172" name="CustomShape 1"/>
+          <p:cNvPr id="170" name="CustomShape 1"/>
           <p:cNvSpPr/>
           <p:nvPr/>
         </p:nvSpPr>
@@ -7442,7 +7484,7 @@
       </p:sp>
       <p:sp>
         <p:nvSpPr>
-          <p:cNvPr id="173" name="CustomShape 2"/>
+          <p:cNvPr id="171" name="CustomShape 2"/>
           <p:cNvSpPr/>
           <p:nvPr/>
         </p:nvSpPr>
@@ -7475,7 +7517,7 @@
                 <a:spcPct val="100000"/>
               </a:lnSpc>
             </a:pPr>
-            <a:fld id="{273C6BBE-433D-424F-8EE2-293D1919E1C9}" type="slidenum">
+            <a:fld id="{8F62C502-6E1C-4480-8C44-3BD1832FF4FA}" type="slidenum">
               <a:rPr b="0" lang="es-ES_tradnl" sz="800" spc="-1" strike="noStrike">
                 <a:solidFill>
                   <a:srgbClr val="000000"/>
@@ -7493,7 +7535,7 @@
       </p:sp>
       <p:sp>
         <p:nvSpPr>
-          <p:cNvPr id="174" name="CustomShape 3"/>
+          <p:cNvPr id="172" name="CustomShape 3"/>
           <p:cNvSpPr/>
           <p:nvPr/>
         </p:nvSpPr>
@@ -7547,7 +7589,7 @@
       </p:sp>
       <p:sp>
         <p:nvSpPr>
-          <p:cNvPr id="175" name="CustomShape 4"/>
+          <p:cNvPr id="173" name="CustomShape 4"/>
           <p:cNvSpPr/>
           <p:nvPr/>
         </p:nvSpPr>
@@ -7604,7 +7646,7 @@
       </p:sp>
       <p:graphicFrame>
         <p:nvGraphicFramePr>
-          <p:cNvPr id="176" name="Table 5"/>
+          <p:cNvPr id="174" name="Table 5"/>
           <p:cNvGraphicFramePr/>
           <p:nvPr/>
         </p:nvGraphicFramePr>
@@ -10520,7 +10562,7 @@
       </p:grpSpPr>
       <p:sp>
         <p:nvSpPr>
-          <p:cNvPr id="177" name="CustomShape 1"/>
+          <p:cNvPr id="175" name="CustomShape 1"/>
           <p:cNvSpPr/>
           <p:nvPr/>
         </p:nvSpPr>
@@ -10574,7 +10616,7 @@
       </p:sp>
       <p:sp>
         <p:nvSpPr>
-          <p:cNvPr id="178" name="CustomShape 2"/>
+          <p:cNvPr id="176" name="CustomShape 2"/>
           <p:cNvSpPr/>
           <p:nvPr/>
         </p:nvSpPr>
@@ -10631,7 +10673,7 @@
       </p:sp>
       <p:sp>
         <p:nvSpPr>
-          <p:cNvPr id="179" name="CustomShape 3"/>
+          <p:cNvPr id="177" name="CustomShape 3"/>
           <p:cNvSpPr/>
           <p:nvPr/>
         </p:nvSpPr>
@@ -10682,7 +10724,7 @@
       </p:sp>
       <p:sp>
         <p:nvSpPr>
-          <p:cNvPr id="180" name="CustomShape 4"/>
+          <p:cNvPr id="178" name="CustomShape 4"/>
           <p:cNvSpPr/>
           <p:nvPr/>
         </p:nvSpPr>
@@ -10865,7 +10907,7 @@
       </p:grpSpPr>
       <p:sp>
         <p:nvSpPr>
-          <p:cNvPr id="181" name="CustomShape 1"/>
+          <p:cNvPr id="179" name="CustomShape 1"/>
           <p:cNvSpPr/>
           <p:nvPr/>
         </p:nvSpPr>
@@ -10919,7 +10961,7 @@
       </p:sp>
       <p:sp>
         <p:nvSpPr>
-          <p:cNvPr id="182" name="CustomShape 2"/>
+          <p:cNvPr id="180" name="CustomShape 2"/>
           <p:cNvSpPr/>
           <p:nvPr/>
         </p:nvSpPr>
@@ -10976,7 +11018,7 @@
       </p:sp>
       <p:sp>
         <p:nvSpPr>
-          <p:cNvPr id="183" name="CustomShape 3"/>
+          <p:cNvPr id="181" name="CustomShape 3"/>
           <p:cNvSpPr/>
           <p:nvPr/>
         </p:nvSpPr>
@@ -11027,7 +11069,7 @@
       </p:sp>
       <p:sp>
         <p:nvSpPr>
-          <p:cNvPr id="184" name="CustomShape 4"/>
+          <p:cNvPr id="182" name="CustomShape 4"/>
           <p:cNvSpPr/>
           <p:nvPr/>
         </p:nvSpPr>
@@ -11100,7 +11142,7 @@
                 <a:latin typeface="Arial"/>
                 <a:ea typeface="ＭＳ Ｐゴシック"/>
               </a:rPr>
-              <a:t>- Useful but too packed</a:t>
+              <a:t>- Useful but too packed: not homogeneous previous knowledge</a:t>
             </a:r>
             <a:endParaRPr b="0" lang="es-ES" sz="2000" spc="-1" strike="noStrike">
               <a:latin typeface="Arial"/>
@@ -11538,7 +11580,7 @@
                 <a:spcPct val="100000"/>
               </a:lnSpc>
             </a:pPr>
-            <a:fld id="{1045CDF8-76FF-47B7-ADAB-A6BBF9373435}" type="slidenum">
+            <a:fld id="{CAE718F3-BAAF-4218-9696-BDF93B23FCC0}" type="slidenum">
               <a:rPr b="0" lang="es-ES_tradnl" sz="800" spc="-1" strike="noStrike">
                 <a:solidFill>
                   <a:srgbClr val="000000"/>
@@ -11821,7 +11863,7 @@
                         <a:rPr b="0" lang="en-GB" sz="1200" spc="-1" strike="noStrike">
                           <a:latin typeface="Arial"/>
                         </a:rPr>
-                        <a:t>The data collects all the new cases of migrant children and young people who have arrived in Catalonia since 2015 and hosted by “sistema català de protecció a la infància i l'adolescència”. The data contain the migrant birth date, the year of entry, the origin, the destination, and the gender.</a:t>
+                        <a:t>The data collects all the new cases of migrant children and young people who have arrived in Catalunya since 2015 and hosted by “sistema català de protecció a la infància i l'adolescència”. The data contain the migrant birth date, the year of entry, the origin, the destination, and the gender.</a:t>
                       </a:r>
                       <a:endParaRPr b="0" lang="es-ES" sz="1200" spc="-1" strike="noStrike">
                         <a:latin typeface="Arial"/>
@@ -11909,8 +11951,15 @@
                       <a:r>
                         <a:rPr b="0" lang="en-GB" sz="1200" spc="-1" strike="noStrike">
                           <a:latin typeface="Arial"/>
+                          <a:ea typeface="Noto Sans CJK SC"/>
                         </a:rPr>
-                        <a:t>Data is not interoperable because it consists of migration from Marroc, Magreb, Africa subsahariana or Others towards Catalonia, the migration form different origins or to different destinations should differ.</a:t>
+                        <a:t>Data is not interoperable because it consists of migration from Marroc, Magreb, Africa subsahariana or Others towards </a:t>
+                      </a:r>
+                      <a:r>
+                        <a:rPr b="0" lang="en-GB" sz="1200" spc="-1" strike="noStrike">
+                          <a:latin typeface="Arial"/>
+                        </a:rPr>
+                        <a:t>Catalunya, the migration form different origins or to different destinations should differ.</a:t>
                       </a:r>
                       <a:endParaRPr b="0" lang="es-ES" sz="1200" spc="-1" strike="noStrike">
                         <a:latin typeface="Arial"/>
@@ -12002,8 +12051,15 @@
                       <a:r>
                         <a:rPr b="0" lang="en-GB" sz="1200" spc="-1" strike="noStrike">
                           <a:latin typeface="Arial"/>
+                          <a:ea typeface="Noto Sans CJK SC"/>
                         </a:rPr>
-                        <a:t>The infrastructure is organized from “sistema català de protecció a la infància i l'adolescència” through different groups such as police, schools, hospitals, psychologists, and families*. All financed by the Government of Catalonia.</a:t>
+                        <a:t>The infrastructure is organized from “sistema català de protecció a la infància i l'adolescència” through different groups such as police, schools, hospitals, psychologists, and families (all financed by the Government of </a:t>
+                      </a:r>
+                      <a:r>
+                        <a:rPr b="0" lang="en-GB" sz="1200" spc="-1" strike="noStrike">
+                          <a:latin typeface="Arial"/>
+                        </a:rPr>
+                        <a:t>Catalunya).</a:t>
                       </a:r>
                       <a:endParaRPr b="0" lang="es-ES" sz="1200" spc="-1" strike="noStrike">
                         <a:latin typeface="Arial"/>
@@ -12932,95 +12988,29 @@
           </a:p>
         </p:txBody>
       </p:sp>
-      <p:grpSp>
-        <p:nvGrpSpPr>
-          <p:cNvPr id="103" name="Group 5"/>
-          <p:cNvGrpSpPr/>
+      <p:pic>
+        <p:nvPicPr>
+          <p:cNvPr id="103" name="" descr=""/>
+          <p:cNvPicPr/>
           <p:nvPr/>
-        </p:nvGrpSpPr>
-        <p:grpSpPr>
-          <a:xfrm>
-            <a:off x="3888000" y="1733760"/>
-            <a:ext cx="5033520" cy="3984120"/>
-            <a:chOff x="3888000" y="1733760"/>
-            <a:chExt cx="5033520" cy="3984120"/>
-          </a:xfrm>
-        </p:grpSpPr>
-        <p:pic>
-          <p:nvPicPr>
-            <p:cNvPr id="104" name="" descr=""/>
-            <p:cNvPicPr/>
-            <p:nvPr/>
-          </p:nvPicPr>
-          <p:blipFill>
-            <a:blip r:embed="rId1"/>
-            <a:stretch/>
-          </p:blipFill>
-          <p:spPr>
-            <a:xfrm>
-              <a:off x="3888000" y="1733760"/>
-              <a:ext cx="5033520" cy="3664800"/>
-            </a:xfrm>
-            <a:prstGeom prst="rect">
-              <a:avLst/>
-            </a:prstGeom>
-            <a:ln>
-              <a:noFill/>
-            </a:ln>
-          </p:spPr>
-        </p:pic>
-        <p:sp>
-          <p:nvSpPr>
-            <p:cNvPr id="105" name="CustomShape 6"/>
-            <p:cNvSpPr/>
-            <p:nvPr/>
-          </p:nvSpPr>
-          <p:spPr>
-            <a:xfrm>
-              <a:off x="4223520" y="5400000"/>
-              <a:ext cx="4574160" cy="317880"/>
-            </a:xfrm>
-            <a:prstGeom prst="rect">
-              <a:avLst/>
-            </a:prstGeom>
+        </p:nvPicPr>
+        <p:blipFill>
+          <a:blip r:embed="rId1"/>
+          <a:stretch/>
+        </p:blipFill>
+        <p:spPr>
+          <a:xfrm>
+            <a:off x="4051440" y="1800000"/>
+            <a:ext cx="4649040" cy="3456000"/>
+          </a:xfrm>
+          <a:prstGeom prst="rect">
+            <a:avLst/>
+          </a:prstGeom>
+          <a:ln>
             <a:noFill/>
-            <a:ln>
-              <a:noFill/>
-            </a:ln>
-          </p:spPr>
-          <p:style>
-            <a:lnRef idx="0"/>
-            <a:fillRef idx="0"/>
-            <a:effectRef idx="0"/>
-            <a:fontRef idx="minor"/>
-          </p:style>
-          <p:txBody>
-            <a:bodyPr lIns="90000" rIns="90000" tIns="45000" bIns="45000">
-              <a:noAutofit/>
-            </a:bodyPr>
-            <a:p>
-              <a:pPr>
-                <a:lnSpc>
-                  <a:spcPct val="100000"/>
-                </a:lnSpc>
-              </a:pPr>
-              <a:r>
-                <a:rPr b="0" lang="en-US" sz="800" spc="-1" strike="noStrike">
-                  <a:solidFill>
-                    <a:srgbClr val="000000"/>
-                  </a:solidFill>
-                  <a:latin typeface="Arial"/>
-                  <a:ea typeface="DejaVu Sans"/>
-                </a:rPr>
-                <a:t>Figure: Catalunya’s map according to Vaguerie’s territorial division. The color code shows the influx amiunt of migrants received since 2015.</a:t>
-              </a:r>
-              <a:endParaRPr b="0" lang="es-ES" sz="800" spc="-1" strike="noStrike">
-                <a:latin typeface="Arial"/>
-              </a:endParaRPr>
-            </a:p>
-          </p:txBody>
-        </p:sp>
-      </p:grpSp>
+          </a:ln>
+        </p:spPr>
+      </p:pic>
     </p:spTree>
   </p:cSld>
   <mc:AlternateContent>
@@ -13053,7 +13043,7 @@
       </p:grpSpPr>
       <p:sp>
         <p:nvSpPr>
-          <p:cNvPr id="106" name="CustomShape 1"/>
+          <p:cNvPr id="104" name="CustomShape 1"/>
           <p:cNvSpPr/>
           <p:nvPr/>
         </p:nvSpPr>
@@ -13120,7 +13110,7 @@
       </p:sp>
       <p:sp>
         <p:nvSpPr>
-          <p:cNvPr id="107" name="CustomShape 2"/>
+          <p:cNvPr id="105" name="CustomShape 2"/>
           <p:cNvSpPr/>
           <p:nvPr/>
         </p:nvSpPr>
@@ -13177,7 +13167,7 @@
       </p:sp>
       <p:sp>
         <p:nvSpPr>
-          <p:cNvPr id="108" name="CustomShape 3"/>
+          <p:cNvPr id="106" name="CustomShape 3"/>
           <p:cNvSpPr/>
           <p:nvPr/>
         </p:nvSpPr>
@@ -13228,7 +13218,7 @@
       </p:sp>
       <p:pic>
         <p:nvPicPr>
-          <p:cNvPr id="109" name="" descr=""/>
+          <p:cNvPr id="107" name="" descr=""/>
           <p:cNvPicPr/>
           <p:nvPr/>
         </p:nvPicPr>
@@ -13281,7 +13271,7 @@
       </p:grpSpPr>
       <p:sp>
         <p:nvSpPr>
-          <p:cNvPr id="110" name="CustomShape 1"/>
+          <p:cNvPr id="108" name="CustomShape 1"/>
           <p:cNvSpPr/>
           <p:nvPr/>
         </p:nvSpPr>
@@ -13348,7 +13338,7 @@
       </p:sp>
       <p:sp>
         <p:nvSpPr>
-          <p:cNvPr id="111" name="CustomShape 2"/>
+          <p:cNvPr id="109" name="CustomShape 2"/>
           <p:cNvSpPr/>
           <p:nvPr/>
         </p:nvSpPr>
@@ -13405,7 +13395,7 @@
       </p:sp>
       <p:sp>
         <p:nvSpPr>
-          <p:cNvPr id="112" name="CustomShape 3"/>
+          <p:cNvPr id="110" name="CustomShape 3"/>
           <p:cNvSpPr/>
           <p:nvPr/>
         </p:nvSpPr>
@@ -13446,7 +13436,7 @@
                 <a:latin typeface="Arial"/>
                 <a:ea typeface="ＭＳ Ｐゴシック"/>
               </a:rPr>
-              <a:t>How is this data distributed?</a:t>
+              <a:t>How are this data distributed?</a:t>
             </a:r>
             <a:endParaRPr b="0" lang="es-ES" sz="2400" spc="-1" strike="noStrike">
               <a:latin typeface="Arial"/>
@@ -13456,7 +13446,7 @@
       </p:sp>
       <p:pic>
         <p:nvPicPr>
-          <p:cNvPr id="113" name="" descr=""/>
+          <p:cNvPr id="111" name="" descr=""/>
           <p:cNvPicPr/>
           <p:nvPr/>
         </p:nvPicPr>
@@ -13509,7 +13499,7 @@
       </p:grpSpPr>
       <p:sp>
         <p:nvSpPr>
-          <p:cNvPr id="114" name="CustomShape 1"/>
+          <p:cNvPr id="112" name="CustomShape 1"/>
           <p:cNvSpPr/>
           <p:nvPr/>
         </p:nvSpPr>
@@ -13576,7 +13566,7 @@
       </p:sp>
       <p:sp>
         <p:nvSpPr>
-          <p:cNvPr id="115" name="CustomShape 2"/>
+          <p:cNvPr id="113" name="CustomShape 2"/>
           <p:cNvSpPr/>
           <p:nvPr/>
         </p:nvSpPr>
@@ -13633,7 +13623,7 @@
       </p:sp>
       <p:sp>
         <p:nvSpPr>
-          <p:cNvPr id="116" name="CustomShape 3"/>
+          <p:cNvPr id="114" name="CustomShape 3"/>
           <p:cNvSpPr/>
           <p:nvPr/>
         </p:nvSpPr>
@@ -13684,7 +13674,7 @@
       </p:sp>
       <p:sp>
         <p:nvSpPr>
-          <p:cNvPr id="117" name="CustomShape 4"/>
+          <p:cNvPr id="115" name="CustomShape 4"/>
           <p:cNvSpPr/>
           <p:nvPr/>
         </p:nvSpPr>
@@ -13735,7 +13725,7 @@
       </p:sp>
       <p:pic>
         <p:nvPicPr>
-          <p:cNvPr id="118" name="" descr=""/>
+          <p:cNvPr id="116" name="" descr=""/>
           <p:cNvPicPr/>
           <p:nvPr/>
         </p:nvPicPr>
@@ -13745,7 +13735,7 @@
         </p:blipFill>
         <p:spPr>
           <a:xfrm>
-            <a:off x="280800" y="2168640"/>
+            <a:off x="4493160" y="1999800"/>
             <a:ext cx="4290840" cy="2860200"/>
           </a:xfrm>
           <a:prstGeom prst="rect">
@@ -13758,7 +13748,7 @@
       </p:pic>
       <p:pic>
         <p:nvPicPr>
-          <p:cNvPr id="119" name="" descr=""/>
+          <p:cNvPr id="117" name="" descr=""/>
           <p:cNvPicPr/>
           <p:nvPr/>
         </p:nvPicPr>
@@ -13768,7 +13758,7 @@
         </p:blipFill>
         <p:spPr>
           <a:xfrm>
-            <a:off x="4487040" y="2218320"/>
+            <a:off x="284040" y="2013480"/>
             <a:ext cx="4215960" cy="2810520"/>
           </a:xfrm>
           <a:prstGeom prst="rect">
@@ -13811,7 +13801,7 @@
       </p:grpSpPr>
       <p:sp>
         <p:nvSpPr>
-          <p:cNvPr id="120" name="CustomShape 1"/>
+          <p:cNvPr id="118" name="CustomShape 1"/>
           <p:cNvSpPr/>
           <p:nvPr/>
         </p:nvSpPr>
@@ -13878,7 +13868,7 @@
       </p:sp>
       <p:sp>
         <p:nvSpPr>
-          <p:cNvPr id="121" name="CustomShape 2"/>
+          <p:cNvPr id="119" name="CustomShape 2"/>
           <p:cNvSpPr/>
           <p:nvPr/>
         </p:nvSpPr>
@@ -13935,7 +13925,7 @@
       </p:sp>
       <p:sp>
         <p:nvSpPr>
-          <p:cNvPr id="122" name="CustomShape 3"/>
+          <p:cNvPr id="120" name="CustomShape 3"/>
           <p:cNvSpPr/>
           <p:nvPr/>
         </p:nvSpPr>
@@ -13961,7 +13951,7 @@
       </p:sp>
       <p:pic>
         <p:nvPicPr>
-          <p:cNvPr id="123" name="" descr=""/>
+          <p:cNvPr id="121" name="" descr=""/>
           <p:cNvPicPr/>
           <p:nvPr/>
         </p:nvPicPr>
@@ -13971,7 +13961,7 @@
         </p:blipFill>
         <p:spPr>
           <a:xfrm rot="11400">
-            <a:off x="-3600" y="971280"/>
+            <a:off x="1400040" y="971280"/>
             <a:ext cx="5851800" cy="2492640"/>
           </a:xfrm>
           <a:prstGeom prst="rect">
@@ -13984,7 +13974,7 @@
       </p:pic>
       <p:pic>
         <p:nvPicPr>
-          <p:cNvPr id="124" name="" descr=""/>
+          <p:cNvPr id="122" name="" descr=""/>
           <p:cNvPicPr/>
           <p:nvPr/>
         </p:nvPicPr>
@@ -13994,7 +13984,7 @@
         </p:blipFill>
         <p:spPr>
           <a:xfrm>
-            <a:off x="3694320" y="1005840"/>
+            <a:off x="5098320" y="1005840"/>
             <a:ext cx="2066040" cy="1199520"/>
           </a:xfrm>
           <a:prstGeom prst="rect">
@@ -14007,13 +13997,13 @@
       </p:pic>
       <p:sp>
         <p:nvSpPr>
-          <p:cNvPr id="125" name="CustomShape 4"/>
+          <p:cNvPr id="123" name="CustomShape 4"/>
           <p:cNvSpPr/>
           <p:nvPr/>
         </p:nvSpPr>
         <p:spPr>
           <a:xfrm>
-            <a:off x="355680" y="3474720"/>
+            <a:off x="1903680" y="3474720"/>
             <a:ext cx="5038920" cy="2905560"/>
           </a:xfrm>
           <a:prstGeom prst="rect">
@@ -14228,13 +14218,13 @@
       </p:sp>
       <p:sp>
         <p:nvSpPr>
-          <p:cNvPr id="126" name="CustomShape 5"/>
+          <p:cNvPr id="124" name="CustomShape 5"/>
           <p:cNvSpPr/>
           <p:nvPr/>
         </p:nvSpPr>
         <p:spPr>
           <a:xfrm>
-            <a:off x="274320" y="962280"/>
+            <a:off x="1678320" y="962280"/>
             <a:ext cx="3017160" cy="1231920"/>
           </a:xfrm>
           <a:prstGeom prst="rect">
